--- a/esselin.vincent/PPT Projet 2.pptx
+++ b/esselin.vincent/PPT Projet 2.pptx
@@ -6456,14 +6456,19 @@
           <a:lstStyle/>
           <a:p>
             <a:r>
+              <a:rPr lang="fr-FR" dirty="0" err="1" smtClean="0"/>
+              <a:t>ProjeCt</a:t>
+            </a:r>
+            <a:endParaRPr lang="fr-FR" dirty="0" smtClean="0"/>
+          </a:p>
+          <a:p>
+            <a:r>
+              <a:rPr lang="fr-FR" dirty="0" err="1" smtClean="0"/>
+              <a:t>PrEsentation</a:t>
+            </a:r>
+            <a:r>
               <a:rPr lang="fr-FR" dirty="0" smtClean="0"/>
-              <a:t>Projet</a:t>
-            </a:r>
-          </a:p>
-          <a:p>
-            <a:r>
-              <a:rPr lang="fr-FR" dirty="0" smtClean="0"/>
-              <a:t>Présentation 2</a:t>
+              <a:t> 2</a:t>
             </a:r>
           </a:p>
           <a:p>
@@ -6520,7 +6525,11 @@
           <a:p>
             <a:r>
               <a:rPr lang="fr-FR" dirty="0" smtClean="0"/>
-              <a:t>Système d’exploitation</a:t>
+              <a:t>Systèmes </a:t>
+            </a:r>
+            <a:r>
+              <a:rPr lang="fr-FR" dirty="0" smtClean="0"/>
+              <a:t>d’exploitation</a:t>
             </a:r>
             <a:endParaRPr lang="fr-FR" dirty="0"/>
           </a:p>
@@ -6567,8 +6576,28 @@
           <a:lstStyle/>
           <a:p>
             <a:r>
+              <a:rPr lang="fr-FR" dirty="0" err="1" smtClean="0"/>
+              <a:t>What</a:t>
+            </a:r>
+            <a:r>
               <a:rPr lang="fr-FR" dirty="0" smtClean="0"/>
-              <a:t>Que comptons-nous faire ?</a:t>
+              <a:t> do </a:t>
+            </a:r>
+            <a:r>
+              <a:rPr lang="fr-FR" dirty="0" err="1" smtClean="0"/>
+              <a:t>we</a:t>
+            </a:r>
+            <a:r>
+              <a:rPr lang="fr-FR" dirty="0" smtClean="0"/>
+              <a:t> </a:t>
+            </a:r>
+            <a:r>
+              <a:rPr lang="fr-FR" dirty="0" err="1" smtClean="0"/>
+              <a:t>want</a:t>
+            </a:r>
+            <a:r>
+              <a:rPr lang="fr-FR" dirty="0" smtClean="0"/>
+              <a:t> to do ?</a:t>
             </a:r>
             <a:endParaRPr lang="fr-FR" dirty="0"/>
           </a:p>
@@ -6590,8 +6619,28 @@
           <a:lstStyle/>
           <a:p>
             <a:r>
+              <a:rPr lang="fr-FR" dirty="0" err="1" smtClean="0"/>
+              <a:t>Collect</a:t>
+            </a:r>
+            <a:r>
               <a:rPr lang="fr-FR" dirty="0" smtClean="0"/>
-              <a:t>Pouvoir récupérer rapidement et facilement des </a:t>
+              <a:t> </a:t>
+            </a:r>
+            <a:r>
+              <a:rPr lang="fr-FR" dirty="0" err="1" smtClean="0"/>
+              <a:t>quickly</a:t>
+            </a:r>
+            <a:r>
+              <a:rPr lang="fr-FR" dirty="0" smtClean="0"/>
+              <a:t> and </a:t>
+            </a:r>
+            <a:r>
+              <a:rPr lang="fr-FR" dirty="0" err="1" smtClean="0"/>
+              <a:t>easily</a:t>
+            </a:r>
+            <a:r>
+              <a:rPr lang="fr-FR" dirty="0" smtClean="0"/>
+              <a:t> </a:t>
             </a:r>
             <a:r>
               <a:rPr lang="fr-FR" dirty="0" err="1" smtClean="0"/>
@@ -6608,7 +6657,47 @@
           <a:p>
             <a:r>
               <a:rPr lang="fr-FR" dirty="0" smtClean="0"/>
-              <a:t>Pouvoir les sélectionner et les trier selon différents critères (</a:t>
+              <a:t>Select and </a:t>
+            </a:r>
+            <a:r>
+              <a:rPr lang="fr-FR" dirty="0" err="1" smtClean="0"/>
+              <a:t>order</a:t>
+            </a:r>
+            <a:r>
+              <a:rPr lang="fr-FR" dirty="0" smtClean="0"/>
+              <a:t> </a:t>
+            </a:r>
+            <a:r>
+              <a:rPr lang="fr-FR" dirty="0" err="1" smtClean="0"/>
+              <a:t>them</a:t>
+            </a:r>
+            <a:r>
+              <a:rPr lang="fr-FR" dirty="0" smtClean="0"/>
+              <a:t> </a:t>
+            </a:r>
+            <a:r>
+              <a:rPr lang="fr-FR" dirty="0" err="1" smtClean="0"/>
+              <a:t>using</a:t>
+            </a:r>
+            <a:r>
+              <a:rPr lang="fr-FR" dirty="0" smtClean="0"/>
+              <a:t> </a:t>
+            </a:r>
+            <a:r>
+              <a:rPr lang="fr-FR" dirty="0" err="1" smtClean="0"/>
+              <a:t>different</a:t>
+            </a:r>
+            <a:r>
+              <a:rPr lang="fr-FR" dirty="0" smtClean="0"/>
+              <a:t> </a:t>
+            </a:r>
+            <a:r>
+              <a:rPr lang="fr-FR" dirty="0" err="1" smtClean="0"/>
+              <a:t>parameters</a:t>
+            </a:r>
+            <a:r>
+              <a:rPr lang="fr-FR" dirty="0" smtClean="0"/>
+              <a:t> (</a:t>
             </a:r>
             <a:r>
               <a:rPr lang="fr-FR" dirty="0" err="1" smtClean="0"/>
@@ -6616,7 +6705,7 @@
             </a:r>
             <a:r>
               <a:rPr lang="fr-FR" dirty="0" smtClean="0"/>
-              <a:t>, date, etc.)</a:t>
+              <a:t>, date …)</a:t>
             </a:r>
           </a:p>
           <a:p>
@@ -6624,8 +6713,60 @@
           </a:p>
           <a:p>
             <a:r>
+              <a:rPr lang="fr-FR" dirty="0" err="1" smtClean="0"/>
+              <a:t>Send</a:t>
+            </a:r>
+            <a:r>
               <a:rPr lang="fr-FR" dirty="0" smtClean="0"/>
-              <a:t>Envoyer le résultat par mail de façon périodique</a:t>
+              <a:t> the </a:t>
+            </a:r>
+            <a:r>
+              <a:rPr lang="fr-FR" dirty="0" err="1" smtClean="0"/>
+              <a:t>result</a:t>
+            </a:r>
+            <a:r>
+              <a:rPr lang="fr-FR" dirty="0" smtClean="0"/>
+              <a:t> by </a:t>
+            </a:r>
+            <a:r>
+              <a:rPr lang="fr-FR" dirty="0"/>
+              <a:t>mail </a:t>
+            </a:r>
+            <a:r>
+              <a:rPr lang="fr-FR" dirty="0" err="1" smtClean="0"/>
+              <a:t>automatically</a:t>
+            </a:r>
+            <a:r>
+              <a:rPr lang="fr-FR" dirty="0" smtClean="0"/>
+              <a:t> </a:t>
+            </a:r>
+            <a:r>
+              <a:rPr lang="fr-FR" dirty="0" err="1" smtClean="0"/>
+              <a:t>every</a:t>
+            </a:r>
+            <a:r>
+              <a:rPr lang="fr-FR" dirty="0" smtClean="0"/>
+              <a:t> </a:t>
+            </a:r>
+            <a:r>
+              <a:rPr lang="fr-FR" dirty="0" err="1" smtClean="0"/>
+              <a:t>week</a:t>
+            </a:r>
+            <a:r>
+              <a:rPr lang="fr-FR" dirty="0" smtClean="0"/>
+              <a:t> or </a:t>
+            </a:r>
+            <a:r>
+              <a:rPr lang="fr-FR" dirty="0" err="1" smtClean="0"/>
+              <a:t>every</a:t>
+            </a:r>
+            <a:r>
+              <a:rPr lang="fr-FR" dirty="0" smtClean="0"/>
+              <a:t> </a:t>
+            </a:r>
+            <a:r>
+              <a:rPr lang="fr-FR" dirty="0" err="1" smtClean="0"/>
+              <a:t>day</a:t>
             </a:r>
             <a:endParaRPr lang="fr-FR" dirty="0"/>
           </a:p>
@@ -6702,8 +6843,28 @@
           <a:lstStyle/>
           <a:p>
             <a:r>
+              <a:rPr lang="fr-FR" dirty="0" err="1" smtClean="0"/>
+              <a:t>What</a:t>
+            </a:r>
+            <a:r>
               <a:rPr lang="fr-FR" dirty="0" smtClean="0"/>
-              <a:t>Ce que nous arrivons à faire</a:t>
+              <a:t> </a:t>
+            </a:r>
+            <a:r>
+              <a:rPr lang="fr-FR" dirty="0" err="1" smtClean="0"/>
+              <a:t>we</a:t>
+            </a:r>
+            <a:r>
+              <a:rPr lang="fr-FR" dirty="0" smtClean="0"/>
+              <a:t> </a:t>
+            </a:r>
+            <a:r>
+              <a:rPr lang="fr-FR" dirty="0" err="1" smtClean="0"/>
+              <a:t>can</a:t>
+            </a:r>
+            <a:r>
+              <a:rPr lang="fr-FR" dirty="0" smtClean="0"/>
+              <a:t> do</a:t>
             </a:r>
             <a:endParaRPr lang="fr-FR" dirty="0"/>
           </a:p>
@@ -6725,20 +6886,28 @@
           <a:lstStyle/>
           <a:p>
             <a:r>
+              <a:rPr lang="fr-FR" dirty="0" err="1" smtClean="0"/>
+              <a:t>Collect</a:t>
+            </a:r>
+            <a:r>
               <a:rPr lang="fr-FR" dirty="0" smtClean="0"/>
-              <a:t>Récupérer les </a:t>
+              <a:t> the </a:t>
             </a:r>
             <a:r>
               <a:rPr lang="fr-FR" dirty="0" err="1" smtClean="0"/>
-              <a:t>tweet</a:t>
-            </a:r>
-            <a:r>
-              <a:rPr lang="fr-FR" dirty="0"/>
+              <a:t>tweets</a:t>
+            </a:r>
+            <a:r>
+              <a:rPr lang="fr-FR" dirty="0" smtClean="0"/>
               <a:t> </a:t>
             </a:r>
             <a:r>
+              <a:rPr lang="fr-FR" dirty="0" err="1" smtClean="0"/>
+              <a:t>from</a:t>
+            </a:r>
+            <a:r>
               <a:rPr lang="fr-FR" dirty="0" smtClean="0"/>
-              <a:t>d’une </a:t>
+              <a:t> a </a:t>
             </a:r>
             <a:r>
               <a:rPr lang="fr-FR" dirty="0" err="1" smtClean="0"/>
@@ -6746,51 +6915,170 @@
             </a:r>
             <a:r>
               <a:rPr lang="fr-FR" dirty="0" smtClean="0"/>
-              <a:t> dans un fichier </a:t>
+              <a:t> and </a:t>
+            </a:r>
+            <a:r>
+              <a:rPr lang="fr-FR" dirty="0" err="1" smtClean="0"/>
+              <a:t>save</a:t>
+            </a:r>
+            <a:r>
+              <a:rPr lang="fr-FR" dirty="0" smtClean="0"/>
+              <a:t> </a:t>
+            </a:r>
+            <a:r>
+              <a:rPr lang="fr-FR" dirty="0" err="1" smtClean="0"/>
+              <a:t>them</a:t>
+            </a:r>
+            <a:r>
+              <a:rPr lang="fr-FR" dirty="0" smtClean="0"/>
+              <a:t> in a </a:t>
+            </a:r>
+            <a:r>
+              <a:rPr lang="fr-FR" dirty="0" err="1" smtClean="0"/>
+              <a:t>text</a:t>
+            </a:r>
+            <a:r>
+              <a:rPr lang="fr-FR" dirty="0" smtClean="0"/>
+              <a:t> file</a:t>
+            </a:r>
+          </a:p>
+          <a:p>
+            <a:pPr lvl="1"/>
+            <a:r>
+              <a:rPr lang="fr-FR" dirty="0" err="1" smtClean="0"/>
+              <a:t>twitter</a:t>
+            </a:r>
+            <a:r>
+              <a:rPr lang="fr-FR" dirty="0" smtClean="0"/>
+              <a:t> –f </a:t>
+            </a:r>
+            <a:r>
+              <a:rPr lang="fr-FR" dirty="0" err="1" smtClean="0"/>
+              <a:t>json</a:t>
+            </a:r>
+            <a:r>
+              <a:rPr lang="fr-FR" dirty="0" smtClean="0"/>
+              <a:t> &gt; </a:t>
+            </a:r>
+            <a:r>
+              <a:rPr lang="fr-FR" dirty="0" err="1" smtClean="0"/>
+              <a:t>testTwitterCmdLine.txt</a:t>
+            </a:r>
+            <a:endParaRPr lang="fr-FR" dirty="0" smtClean="0"/>
+          </a:p>
+          <a:p>
+            <a:r>
+              <a:rPr lang="fr-FR" dirty="0" err="1" smtClean="0"/>
+              <a:t>Parse</a:t>
+            </a:r>
+            <a:r>
+              <a:rPr lang="fr-FR" dirty="0" smtClean="0"/>
+              <a:t> the </a:t>
             </a:r>
             <a:r>
               <a:rPr lang="fr-FR" dirty="0" err="1" smtClean="0"/>
               <a:t>Json</a:t>
             </a:r>
+            <a:r>
+              <a:rPr lang="fr-FR" dirty="0" smtClean="0"/>
+              <a:t> file to </a:t>
+            </a:r>
+            <a:r>
+              <a:rPr lang="fr-FR" dirty="0" err="1" smtClean="0"/>
+              <a:t>get</a:t>
+            </a:r>
+            <a:r>
+              <a:rPr lang="fr-FR" dirty="0" smtClean="0"/>
+              <a:t> the data </a:t>
+            </a:r>
+            <a:r>
+              <a:rPr lang="fr-FR" dirty="0" err="1" smtClean="0"/>
+              <a:t>we</a:t>
+            </a:r>
+            <a:r>
+              <a:rPr lang="fr-FR" dirty="0" smtClean="0"/>
+              <a:t> </a:t>
+            </a:r>
+            <a:r>
+              <a:rPr lang="fr-FR" dirty="0" err="1" smtClean="0"/>
+              <a:t>want</a:t>
+            </a:r>
             <a:endParaRPr lang="fr-FR" dirty="0" smtClean="0"/>
           </a:p>
           <a:p>
+            <a:pPr lvl="1"/>
             <a:r>
               <a:rPr lang="fr-FR" dirty="0" err="1" smtClean="0"/>
-              <a:t>Parser</a:t>
-            </a:r>
+              <a:t>grep</a:t>
+            </a:r>
+            <a:endParaRPr lang="fr-FR" dirty="0" smtClean="0"/>
+          </a:p>
+          <a:p>
             <a:r>
               <a:rPr lang="fr-FR" dirty="0" smtClean="0"/>
-              <a:t> le fichier </a:t>
+              <a:t>Save </a:t>
             </a:r>
             <a:r>
               <a:rPr lang="fr-FR" dirty="0" err="1" smtClean="0"/>
-              <a:t>Json</a:t>
+              <a:t>these</a:t>
             </a:r>
             <a:r>
               <a:rPr lang="fr-FR" dirty="0" smtClean="0"/>
-              <a:t> pour récupérer les informations voulues (texte du </a:t>
+              <a:t> informations in a </a:t>
             </a:r>
             <a:r>
               <a:rPr lang="fr-FR" dirty="0" err="1" smtClean="0"/>
-              <a:t>tweet</a:t>
+              <a:t>text</a:t>
             </a:r>
             <a:r>
               <a:rPr lang="fr-FR" dirty="0" smtClean="0"/>
-              <a:t>, auteur, etc.)</a:t>
-            </a:r>
-          </a:p>
-          <a:p>
+              <a:t> file</a:t>
+            </a:r>
+          </a:p>
+          <a:p>
+            <a:r>
+              <a:rPr lang="fr-FR" dirty="0" err="1" smtClean="0"/>
+              <a:t>Send</a:t>
+            </a:r>
             <a:r>
               <a:rPr lang="fr-FR" dirty="0" smtClean="0"/>
-              <a:t>Stocker ces informations dans un fichier texte</a:t>
-            </a:r>
-          </a:p>
-          <a:p>
+              <a:t> the file by mail to </a:t>
+            </a:r>
+            <a:r>
+              <a:rPr lang="fr-FR" dirty="0" err="1" smtClean="0"/>
+              <a:t>someone</a:t>
+            </a:r>
+            <a:endParaRPr lang="fr-FR" dirty="0" smtClean="0"/>
+          </a:p>
+          <a:p>
+            <a:pPr lvl="1"/>
             <a:r>
               <a:rPr lang="fr-FR" dirty="0" smtClean="0"/>
-              <a:t>Envoyer le fichier par mail à un destinataire</a:t>
-            </a:r>
+              <a:t>mail –s « </a:t>
+            </a:r>
+            <a:r>
+              <a:rPr lang="fr-FR" dirty="0" err="1" smtClean="0"/>
+              <a:t>Subject</a:t>
+            </a:r>
+            <a:r>
+              <a:rPr lang="fr-FR" dirty="0" smtClean="0"/>
+              <a:t> » </a:t>
+            </a:r>
+            <a:r>
+              <a:rPr lang="fr-FR" dirty="0" smtClean="0">
+                <a:hlinkClick r:id="rId2"/>
+              </a:rPr>
+              <a:t>test@example.com</a:t>
+            </a:r>
+            <a:r>
+              <a:rPr lang="fr-FR" dirty="0" smtClean="0"/>
+              <a:t> &lt;  </a:t>
+            </a:r>
+            <a:r>
+              <a:rPr lang="fr-FR" dirty="0" err="1" smtClean="0"/>
+              <a:t>mail.txt</a:t>
+            </a:r>
+            <a:endParaRPr lang="fr-FR" dirty="0" smtClean="0"/>
           </a:p>
           <a:p>
             <a:endParaRPr lang="fr-FR" dirty="0"/>
@@ -6866,8 +7154,12 @@
           <a:lstStyle/>
           <a:p>
             <a:r>
+              <a:rPr lang="fr-FR" dirty="0" err="1" smtClean="0"/>
+              <a:t>Remaining</a:t>
+            </a:r>
+            <a:r>
               <a:rPr lang="fr-FR" dirty="0" smtClean="0"/>
-              <a:t>Problèmes restants</a:t>
+              <a:t> issues</a:t>
             </a:r>
             <a:endParaRPr lang="fr-FR" dirty="0"/>
           </a:p>
@@ -6917,26 +7209,56 @@
           <a:lstStyle/>
           <a:p>
             <a:r>
+              <a:rPr lang="fr-FR" dirty="0" err="1" smtClean="0"/>
+              <a:t>Choose</a:t>
+            </a:r>
+            <a:r>
               <a:rPr lang="fr-FR" dirty="0" smtClean="0"/>
-              <a:t>Choisir la bonne librairie pour accéder à l’API Twitter</a:t>
-            </a:r>
-          </a:p>
-          <a:p>
-            <a:endParaRPr lang="fr-FR" dirty="0" smtClean="0"/>
-          </a:p>
-          <a:p>
+              <a:t> the right </a:t>
+            </a:r>
+            <a:r>
+              <a:rPr lang="fr-FR" dirty="0" err="1" smtClean="0"/>
+              <a:t>library</a:t>
+            </a:r>
             <a:r>
               <a:rPr lang="fr-FR" dirty="0" smtClean="0"/>
-              <a:t>Découverte de la documentation de l’API</a:t>
-            </a:r>
-          </a:p>
-          <a:p>
-            <a:endParaRPr lang="fr-FR" dirty="0" smtClean="0"/>
-          </a:p>
-          <a:p>
+              <a:t> to </a:t>
+            </a:r>
+            <a:r>
+              <a:rPr lang="fr-FR" dirty="0" err="1" smtClean="0"/>
+              <a:t>access</a:t>
+            </a:r>
             <a:r>
               <a:rPr lang="fr-FR" dirty="0" smtClean="0"/>
-              <a:t>Récupérer les </a:t>
+              <a:t> the Twitter API</a:t>
+            </a:r>
+          </a:p>
+          <a:p>
+            <a:r>
+              <a:rPr lang="fr-FR" dirty="0" err="1" smtClean="0"/>
+              <a:t>Learn</a:t>
+            </a:r>
+            <a:r>
+              <a:rPr lang="fr-FR" dirty="0" smtClean="0"/>
+              <a:t> and </a:t>
+            </a:r>
+            <a:r>
+              <a:rPr lang="fr-FR" dirty="0" err="1" smtClean="0"/>
+              <a:t>understand</a:t>
+            </a:r>
+            <a:r>
+              <a:rPr lang="fr-FR" dirty="0" smtClean="0"/>
+              <a:t> the API documentation</a:t>
+            </a:r>
+          </a:p>
+          <a:p>
+            <a:r>
+              <a:rPr lang="fr-FR" dirty="0" err="1" smtClean="0"/>
+              <a:t>Collect</a:t>
+            </a:r>
+            <a:r>
+              <a:rPr lang="fr-FR" dirty="0" smtClean="0"/>
+              <a:t> the </a:t>
             </a:r>
             <a:r>
               <a:rPr lang="fr-FR" dirty="0" err="1" smtClean="0"/>
@@ -6944,21 +7266,34 @@
             </a:r>
             <a:r>
               <a:rPr lang="fr-FR" dirty="0" smtClean="0"/>
-              <a:t> comprenant un certain </a:t>
+              <a:t> </a:t>
+            </a:r>
+            <a:r>
+              <a:rPr lang="fr-FR" dirty="0" err="1" smtClean="0"/>
+              <a:t>with</a:t>
+            </a:r>
+            <a:r>
+              <a:rPr lang="fr-FR" dirty="0" smtClean="0"/>
+              <a:t> a </a:t>
+            </a:r>
+            <a:r>
+              <a:rPr lang="fr-FR" dirty="0" err="1" smtClean="0"/>
+              <a:t>particular</a:t>
+            </a:r>
+            <a:r>
+              <a:rPr lang="fr-FR" dirty="0" smtClean="0"/>
+              <a:t> </a:t>
             </a:r>
             <a:r>
               <a:rPr lang="fr-FR" dirty="0" err="1" smtClean="0"/>
               <a:t>Hashtag</a:t>
             </a:r>
-            <a:endParaRPr lang="fr-FR" dirty="0" smtClean="0"/>
-          </a:p>
-          <a:p>
             <a:endParaRPr lang="fr-FR" dirty="0"/>
           </a:p>
           <a:p>
             <a:r>
               <a:rPr lang="fr-FR" dirty="0" smtClean="0"/>
-              <a:t>Utiliser la commande </a:t>
+              <a:t>Use </a:t>
             </a:r>
             <a:r>
               <a:rPr lang="fr-FR" dirty="0" err="1" smtClean="0"/>
@@ -6966,8 +7301,32 @@
             </a:r>
             <a:r>
               <a:rPr lang="fr-FR" dirty="0" smtClean="0"/>
-              <a:t> pour exécuter le script de façon périodique</a:t>
-            </a:r>
+              <a:t> to </a:t>
+            </a:r>
+            <a:r>
+              <a:rPr lang="fr-FR" dirty="0" err="1" smtClean="0"/>
+              <a:t>execute</a:t>
+            </a:r>
+            <a:r>
+              <a:rPr lang="fr-FR" dirty="0" smtClean="0"/>
+              <a:t> the script </a:t>
+            </a:r>
+            <a:r>
+              <a:rPr lang="fr-FR" dirty="0" err="1" smtClean="0"/>
+              <a:t>automatically</a:t>
+            </a:r>
+            <a:endParaRPr lang="fr-FR" dirty="0" smtClean="0"/>
+          </a:p>
+          <a:p>
+            <a:r>
+              <a:rPr lang="fr-FR" dirty="0" smtClean="0"/>
+              <a:t>Configure a mail server to </a:t>
+            </a:r>
+            <a:r>
+              <a:rPr lang="fr-FR" smtClean="0"/>
+              <a:t>send</a:t>
+            </a:r>
+            <a:endParaRPr lang="fr-FR" dirty="0" smtClean="0"/>
           </a:p>
         </p:txBody>
       </p:sp>

--- a/esselin.vincent/PPT Projet 2.pptx
+++ b/esselin.vincent/PPT Projet 2.pptx
@@ -6498,38 +6498,30 @@
           <a:p>
             <a:r>
               <a:rPr lang="fr-FR" dirty="0" smtClean="0"/>
-              <a:t>Nicolas DANIEL / Vincent ESSELIN / Alexandre </a:t>
-            </a:r>
+              <a:t>Nicolas DANIEL / Vincent ESSELIN / Alexandre DESCHATEAUX / Kevin AGOSTINHO</a:t>
+            </a:r>
+            <a:endParaRPr lang="fr-FR" dirty="0"/>
+          </a:p>
+        </p:txBody>
+      </p:sp>
+      <p:sp>
+        <p:nvSpPr>
+          <p:cNvPr id="5" name="Titre 4"/>
+          <p:cNvSpPr>
+            <a:spLocks noGrp="1"/>
+          </p:cNvSpPr>
+          <p:nvPr>
+            <p:ph type="ctrTitle"/>
+          </p:nvPr>
+        </p:nvSpPr>
+        <p:spPr/>
+        <p:txBody>
+          <a:bodyPr/>
+          <a:lstStyle/>
+          <a:p>
             <a:r>
               <a:rPr lang="fr-FR" dirty="0" smtClean="0"/>
-              <a:t>DESCHATEAUX / Kevin AGOSTINHO</a:t>
-            </a:r>
-            <a:endParaRPr lang="fr-FR" dirty="0"/>
-          </a:p>
-        </p:txBody>
-      </p:sp>
-      <p:sp>
-        <p:nvSpPr>
-          <p:cNvPr id="5" name="Titre 4"/>
-          <p:cNvSpPr>
-            <a:spLocks noGrp="1"/>
-          </p:cNvSpPr>
-          <p:nvPr>
-            <p:ph type="ctrTitle"/>
-          </p:nvPr>
-        </p:nvSpPr>
-        <p:spPr/>
-        <p:txBody>
-          <a:bodyPr/>
-          <a:lstStyle/>
-          <a:p>
-            <a:r>
-              <a:rPr lang="fr-FR" dirty="0" smtClean="0"/>
-              <a:t>Systèmes </a:t>
-            </a:r>
-            <a:r>
-              <a:rPr lang="fr-FR" dirty="0" smtClean="0"/>
-              <a:t>d’exploitation</a:t>
+              <a:t>Systèmes d’exploitation</a:t>
             </a:r>
             <a:endParaRPr lang="fr-FR" dirty="0"/>
           </a:p>
@@ -6796,7 +6788,6 @@
               <a:rPr lang="fr-FR" dirty="0"/>
               <a:t>Nicolas DANIEL / Vincent ESSELIN / Alexandre DESCHATEAUX / Kevin AGOSTINHO</a:t>
             </a:r>
-            <a:endParaRPr lang="fr-FR" dirty="0"/>
           </a:p>
         </p:txBody>
       </p:sp>
@@ -6967,6 +6958,42 @@
             <a:endParaRPr lang="fr-FR" dirty="0" smtClean="0"/>
           </a:p>
           <a:p>
+            <a:pPr lvl="1"/>
+            <a:r>
+              <a:rPr lang="fr-FR" dirty="0"/>
+              <a:t>{"</a:t>
+            </a:r>
+            <a:r>
+              <a:rPr lang="fr-FR" dirty="0" err="1"/>
+              <a:t>contributors</a:t>
+            </a:r>
+            <a:r>
+              <a:rPr lang="fr-FR" dirty="0"/>
+              <a:t>": </a:t>
+            </a:r>
+            <a:r>
+              <a:rPr lang="fr-FR" dirty="0" err="1"/>
+              <a:t>null</a:t>
+            </a:r>
+            <a:r>
+              <a:rPr lang="fr-FR" dirty="0"/>
+              <a:t>, "</a:t>
+            </a:r>
+            <a:r>
+              <a:rPr lang="fr-FR" dirty="0" err="1"/>
+              <a:t>truncated</a:t>
+            </a:r>
+            <a:r>
+              <a:rPr lang="fr-FR" dirty="0"/>
+              <a:t>": </a:t>
+            </a:r>
+            <a:r>
+              <a:rPr lang="fr-FR" smtClean="0"/>
+              <a:t>false […] }</a:t>
+            </a:r>
+            <a:endParaRPr lang="fr-FR" dirty="0" smtClean="0"/>
+          </a:p>
+          <a:p>
             <a:r>
               <a:rPr lang="fr-FR" dirty="0" err="1" smtClean="0"/>
               <a:t>Parse</a:t>
@@ -7109,7 +7136,6 @@
               <a:rPr lang="fr-FR" dirty="0"/>
               <a:t>Nicolas DANIEL / Vincent ESSELIN / Alexandre DESCHATEAUX / Kevin AGOSTINHO</a:t>
             </a:r>
-            <a:endParaRPr lang="fr-FR" dirty="0"/>
           </a:p>
         </p:txBody>
       </p:sp>
@@ -7189,7 +7215,6 @@
               <a:rPr lang="fr-FR" dirty="0"/>
               <a:t>Nicolas DANIEL / Vincent ESSELIN / Alexandre DESCHATEAUX / Kevin AGOSTINHO</a:t>
             </a:r>
-            <a:endParaRPr lang="fr-FR" dirty="0"/>
           </a:p>
         </p:txBody>
       </p:sp>
